--- a/docs/Apresentação Teste TCC.pptx
+++ b/docs/Apresentação Teste TCC.pptx
@@ -6,15 +6,16 @@
   </p:sldMasterIdLst>
   <p:sldIdLst>
     <p:sldId id="256" r:id="rId2"/>
-    <p:sldId id="265" r:id="rId3"/>
-    <p:sldId id="257" r:id="rId4"/>
+    <p:sldId id="257" r:id="rId3"/>
+    <p:sldId id="265" r:id="rId4"/>
     <p:sldId id="258" r:id="rId5"/>
     <p:sldId id="259" r:id="rId6"/>
     <p:sldId id="260" r:id="rId7"/>
     <p:sldId id="261" r:id="rId8"/>
     <p:sldId id="264" r:id="rId9"/>
     <p:sldId id="263" r:id="rId10"/>
-    <p:sldId id="266" r:id="rId11"/>
+    <p:sldId id="267" r:id="rId11"/>
+    <p:sldId id="266" r:id="rId12"/>
   </p:sldIdLst>
   <p:sldSz cx="12192000" cy="6858000"/>
   <p:notesSz cx="6858000" cy="9144000"/>
@@ -848,7 +849,7 @@
             <a:fld id="{5586B75A-687E-405C-8A0B-8D00578BA2C3}" type="datetimeFigureOut">
               <a:rPr lang="en-US" smtClean="0"/>
               <a:pPr/>
-              <a:t>12/11/2017</a:t>
+              <a:t>12/13/2017</a:t>
             </a:fld>
             <a:endParaRPr lang="en-US" dirty="0"/>
           </a:p>
@@ -1101,7 +1102,7 @@
             <a:fld id="{5586B75A-687E-405C-8A0B-8D00578BA2C3}" type="datetimeFigureOut">
               <a:rPr lang="en-US" smtClean="0"/>
               <a:pPr/>
-              <a:t>12/11/2017</a:t>
+              <a:t>12/13/2017</a:t>
             </a:fld>
             <a:endParaRPr lang="en-US" dirty="0"/>
           </a:p>
@@ -1418,7 +1419,7 @@
             <a:fld id="{5586B75A-687E-405C-8A0B-8D00578BA2C3}" type="datetimeFigureOut">
               <a:rPr lang="en-US" smtClean="0"/>
               <a:pPr/>
-              <a:t>12/11/2017</a:t>
+              <a:t>12/13/2017</a:t>
             </a:fld>
             <a:endParaRPr lang="en-US" dirty="0"/>
           </a:p>
@@ -1762,7 +1763,7 @@
             <a:fld id="{5586B75A-687E-405C-8A0B-8D00578BA2C3}" type="datetimeFigureOut">
               <a:rPr lang="en-US" smtClean="0"/>
               <a:pPr/>
-              <a:t>12/11/2017</a:t>
+              <a:t>12/13/2017</a:t>
             </a:fld>
             <a:endParaRPr lang="en-US" dirty="0"/>
           </a:p>
@@ -2079,7 +2080,7 @@
             <a:fld id="{5586B75A-687E-405C-8A0B-8D00578BA2C3}" type="datetimeFigureOut">
               <a:rPr lang="en-US" smtClean="0"/>
               <a:pPr/>
-              <a:t>12/11/2017</a:t>
+              <a:t>12/13/2017</a:t>
             </a:fld>
             <a:endParaRPr lang="en-US" dirty="0"/>
           </a:p>
@@ -2475,7 +2476,7 @@
             <a:fld id="{5586B75A-687E-405C-8A0B-8D00578BA2C3}" type="datetimeFigureOut">
               <a:rPr lang="en-US" smtClean="0"/>
               <a:pPr/>
-              <a:t>12/11/2017</a:t>
+              <a:t>12/13/2017</a:t>
             </a:fld>
             <a:endParaRPr lang="en-US" dirty="0"/>
           </a:p>
@@ -2648,7 +2649,7 @@
             <a:fld id="{5586B75A-687E-405C-8A0B-8D00578BA2C3}" type="datetimeFigureOut">
               <a:rPr lang="en-US" smtClean="0"/>
               <a:pPr/>
-              <a:t>12/11/2017</a:t>
+              <a:t>12/13/2017</a:t>
             </a:fld>
             <a:endParaRPr lang="en-US" dirty="0"/>
           </a:p>
@@ -2830,7 +2831,7 @@
             <a:fld id="{5586B75A-687E-405C-8A0B-8D00578BA2C3}" type="datetimeFigureOut">
               <a:rPr lang="en-US" smtClean="0"/>
               <a:pPr/>
-              <a:t>12/11/2017</a:t>
+              <a:t>12/13/2017</a:t>
             </a:fld>
             <a:endParaRPr lang="en-US" dirty="0"/>
           </a:p>
@@ -3008,7 +3009,7 @@
             <a:fld id="{5586B75A-687E-405C-8A0B-8D00578BA2C3}" type="datetimeFigureOut">
               <a:rPr lang="en-US" smtClean="0"/>
               <a:pPr/>
-              <a:t>12/11/2017</a:t>
+              <a:t>12/13/2017</a:t>
             </a:fld>
             <a:endParaRPr lang="en-US" dirty="0"/>
           </a:p>
@@ -3257,7 +3258,7 @@
             <a:fld id="{5586B75A-687E-405C-8A0B-8D00578BA2C3}" type="datetimeFigureOut">
               <a:rPr lang="en-US" smtClean="0"/>
               <a:pPr/>
-              <a:t>12/11/2017</a:t>
+              <a:t>12/13/2017</a:t>
             </a:fld>
             <a:endParaRPr lang="en-US" dirty="0"/>
           </a:p>
@@ -3491,7 +3492,7 @@
             <a:fld id="{5586B75A-687E-405C-8A0B-8D00578BA2C3}" type="datetimeFigureOut">
               <a:rPr lang="en-US" smtClean="0"/>
               <a:pPr/>
-              <a:t>12/11/2017</a:t>
+              <a:t>12/13/2017</a:t>
             </a:fld>
             <a:endParaRPr lang="en-US" dirty="0"/>
           </a:p>
@@ -3867,7 +3868,7 @@
             <a:fld id="{5586B75A-687E-405C-8A0B-8D00578BA2C3}" type="datetimeFigureOut">
               <a:rPr lang="en-US" smtClean="0"/>
               <a:pPr/>
-              <a:t>12/11/2017</a:t>
+              <a:t>12/13/2017</a:t>
             </a:fld>
             <a:endParaRPr lang="en-US" dirty="0"/>
           </a:p>
@@ -3992,7 +3993,7 @@
             <a:fld id="{5586B75A-687E-405C-8A0B-8D00578BA2C3}" type="datetimeFigureOut">
               <a:rPr lang="en-US" smtClean="0"/>
               <a:pPr/>
-              <a:t>12/11/2017</a:t>
+              <a:t>12/13/2017</a:t>
             </a:fld>
             <a:endParaRPr lang="en-US" dirty="0"/>
           </a:p>
@@ -4089,7 +4090,7 @@
             <a:fld id="{5586B75A-687E-405C-8A0B-8D00578BA2C3}" type="datetimeFigureOut">
               <a:rPr lang="en-US" smtClean="0"/>
               <a:pPr/>
-              <a:t>12/11/2017</a:t>
+              <a:t>12/13/2017</a:t>
             </a:fld>
             <a:endParaRPr lang="en-US" dirty="0"/>
           </a:p>
@@ -4346,7 +4347,7 @@
             <a:fld id="{5586B75A-687E-405C-8A0B-8D00578BA2C3}" type="datetimeFigureOut">
               <a:rPr lang="en-US" smtClean="0"/>
               <a:pPr/>
-              <a:t>12/11/2017</a:t>
+              <a:t>12/13/2017</a:t>
             </a:fld>
             <a:endParaRPr lang="en-US" dirty="0"/>
           </a:p>
@@ -4611,7 +4612,7 @@
             <a:fld id="{5586B75A-687E-405C-8A0B-8D00578BA2C3}" type="datetimeFigureOut">
               <a:rPr lang="en-US" smtClean="0"/>
               <a:pPr/>
-              <a:t>12/11/2017</a:t>
+              <a:t>12/13/2017</a:t>
             </a:fld>
             <a:endParaRPr lang="en-US" dirty="0"/>
           </a:p>
@@ -5356,7 +5357,7 @@
             <a:fld id="{5586B75A-687E-405C-8A0B-8D00578BA2C3}" type="datetimeFigureOut">
               <a:rPr lang="en-US" smtClean="0"/>
               <a:pPr/>
-              <a:t>12/11/2017</a:t>
+              <a:t>12/13/2017</a:t>
             </a:fld>
             <a:endParaRPr lang="en-US" dirty="0"/>
           </a:p>
@@ -5970,6 +5971,94 @@
       </p:grpSpPr>
       <p:sp>
         <p:nvSpPr>
+          <p:cNvPr id="4" name="Título 3">
+            <a:extLst>
+              <a:ext uri="{FF2B5EF4-FFF2-40B4-BE49-F238E27FC236}">
+                <a16:creationId xmlns:a16="http://schemas.microsoft.com/office/drawing/2014/main" id="{B7B1558C-E1BC-4EAD-82AB-0FC9BEE7A98F}"/>
+              </a:ext>
+            </a:extLst>
+          </p:cNvPr>
+          <p:cNvSpPr>
+            <a:spLocks noGrp="1"/>
+          </p:cNvSpPr>
+          <p:nvPr>
+            <p:ph type="ctrTitle"/>
+          </p:nvPr>
+        </p:nvSpPr>
+        <p:spPr>
+          <a:xfrm>
+            <a:off x="1225685" y="2404534"/>
+            <a:ext cx="8048318" cy="1646302"/>
+          </a:xfrm>
+        </p:spPr>
+        <p:txBody>
+          <a:bodyPr/>
+          <a:lstStyle/>
+          <a:p>
+            <a:r>
+              <a:rPr lang="pt-BR" dirty="0"/>
+              <a:t>Demonstração do sistema</a:t>
+            </a:r>
+          </a:p>
+        </p:txBody>
+      </p:sp>
+      <p:sp>
+        <p:nvSpPr>
+          <p:cNvPr id="5" name="Subtítulo 4">
+            <a:extLst>
+              <a:ext uri="{FF2B5EF4-FFF2-40B4-BE49-F238E27FC236}">
+                <a16:creationId xmlns:a16="http://schemas.microsoft.com/office/drawing/2014/main" id="{12FBA7FC-F09E-4D08-B817-5782BB1D5C6A}"/>
+              </a:ext>
+            </a:extLst>
+          </p:cNvPr>
+          <p:cNvSpPr>
+            <a:spLocks noGrp="1"/>
+          </p:cNvSpPr>
+          <p:nvPr>
+            <p:ph type="subTitle" idx="1"/>
+          </p:nvPr>
+        </p:nvSpPr>
+        <p:spPr/>
+        <p:txBody>
+          <a:bodyPr/>
+          <a:lstStyle/>
+          <a:p>
+            <a:endParaRPr lang="pt-BR"/>
+          </a:p>
+        </p:txBody>
+      </p:sp>
+    </p:spTree>
+    <p:extLst>
+      <p:ext uri="{BB962C8B-B14F-4D97-AF65-F5344CB8AC3E}">
+        <p14:creationId xmlns:p14="http://schemas.microsoft.com/office/powerpoint/2010/main" val="305165240"/>
+      </p:ext>
+    </p:extLst>
+  </p:cSld>
+  <p:clrMapOvr>
+    <a:masterClrMapping/>
+  </p:clrMapOvr>
+</p:sld>
+</file>
+
+<file path=ppt/slides/slide11.xml><?xml version="1.0" encoding="utf-8"?>
+<p:sld xmlns:a="http://schemas.openxmlformats.org/drawingml/2006/main" xmlns:r="http://schemas.openxmlformats.org/officeDocument/2006/relationships" xmlns:p="http://schemas.openxmlformats.org/presentationml/2006/main">
+  <p:cSld>
+    <p:spTree>
+      <p:nvGrpSpPr>
+        <p:cNvPr id="1" name=""/>
+        <p:cNvGrpSpPr/>
+        <p:nvPr/>
+      </p:nvGrpSpPr>
+      <p:grpSpPr>
+        <a:xfrm>
+          <a:off x="0" y="0"/>
+          <a:ext cx="0" cy="0"/>
+          <a:chOff x="0" y="0"/>
+          <a:chExt cx="0" cy="0"/>
+        </a:xfrm>
+      </p:grpSpPr>
+      <p:sp>
+        <p:nvSpPr>
           <p:cNvPr id="2" name="Título 1"/>
           <p:cNvSpPr>
             <a:spLocks noGrp="1"/>
@@ -6046,7 +6135,13 @@
       </p:grpSpPr>
       <p:sp>
         <p:nvSpPr>
-          <p:cNvPr id="2" name="Título 1"/>
+          <p:cNvPr id="4" name="Título 3">
+            <a:extLst>
+              <a:ext uri="{FF2B5EF4-FFF2-40B4-BE49-F238E27FC236}">
+                <a16:creationId xmlns:a16="http://schemas.microsoft.com/office/drawing/2014/main" id="{E808FBCE-8FD9-4F70-AEF4-BD830DD314CB}"/>
+              </a:ext>
+            </a:extLst>
+          </p:cNvPr>
           <p:cNvSpPr>
             <a:spLocks noGrp="1"/>
           </p:cNvSpPr>
@@ -6061,14 +6156,20 @@
           <a:p>
             <a:r>
               <a:rPr lang="pt-BR" dirty="0"/>
-              <a:t>Orientadores</a:t>
-            </a:r>
-          </a:p>
-        </p:txBody>
-      </p:sp>
-      <p:sp>
-        <p:nvSpPr>
-          <p:cNvPr id="3" name="Espaço Reservado para Conteúdo 2"/>
+              <a:t>Integrantes do Grupo	</a:t>
+            </a:r>
+          </a:p>
+        </p:txBody>
+      </p:sp>
+      <p:sp>
+        <p:nvSpPr>
+          <p:cNvPr id="5" name="Espaço Reservado para Conteúdo 4">
+            <a:extLst>
+              <a:ext uri="{FF2B5EF4-FFF2-40B4-BE49-F238E27FC236}">
+                <a16:creationId xmlns:a16="http://schemas.microsoft.com/office/drawing/2014/main" id="{5407BCE0-4766-400E-A6BA-7B75C173CF53}"/>
+              </a:ext>
+            </a:extLst>
+          </p:cNvPr>
           <p:cNvSpPr>
             <a:spLocks noGrp="1"/>
           </p:cNvSpPr>
@@ -6076,12 +6177,7 @@
             <p:ph idx="1"/>
           </p:nvPr>
         </p:nvSpPr>
-        <p:spPr>
-          <a:xfrm>
-            <a:off x="677334" y="2290439"/>
-            <a:ext cx="8596668" cy="3750923"/>
-          </a:xfrm>
-        </p:spPr>
+        <p:spPr/>
         <p:txBody>
           <a:bodyPr>
             <a:normAutofit/>
@@ -6090,21 +6186,30 @@
           <a:p>
             <a:r>
               <a:rPr lang="pt-BR" sz="2800" dirty="0"/>
-              <a:t>Prof. Humberto Luiz de Toledo</a:t>
+              <a:t>Caio Larroza de Oliveira</a:t>
             </a:r>
           </a:p>
           <a:p>
             <a:r>
               <a:rPr lang="pt-BR" sz="2800" dirty="0"/>
-              <a:t>Prof. </a:t>
+              <a:t>Giovanni </a:t>
             </a:r>
             <a:r>
               <a:rPr lang="pt-BR" sz="2800" dirty="0" err="1"/>
-              <a:t>Msc</a:t>
-            </a:r>
+              <a:t>Armane</a:t>
+            </a:r>
+            <a:endParaRPr lang="pt-BR" sz="2800" dirty="0"/>
+          </a:p>
+          <a:p>
             <a:r>
               <a:rPr lang="pt-BR" sz="2800" dirty="0"/>
-              <a:t>. Sônia Cristina Menoce</a:t>
+              <a:t>Matheus dos Santos</a:t>
+            </a:r>
+          </a:p>
+          <a:p>
+            <a:r>
+              <a:rPr lang="pt-BR" sz="2800" dirty="0"/>
+              <a:t>Leonardo Costa</a:t>
             </a:r>
           </a:p>
         </p:txBody>
@@ -6112,7 +6217,7 @@
     </p:spTree>
     <p:extLst>
       <p:ext uri="{BB962C8B-B14F-4D97-AF65-F5344CB8AC3E}">
-        <p14:creationId xmlns:p14="http://schemas.microsoft.com/office/powerpoint/2010/main" val="4114218723"/>
+        <p14:creationId xmlns:p14="http://schemas.microsoft.com/office/powerpoint/2010/main" val="2781763278"/>
       </p:ext>
     </p:extLst>
   </p:cSld>
@@ -6141,13 +6246,7 @@
       </p:grpSpPr>
       <p:sp>
         <p:nvSpPr>
-          <p:cNvPr id="4" name="Título 3">
-            <a:extLst>
-              <a:ext uri="{FF2B5EF4-FFF2-40B4-BE49-F238E27FC236}">
-                <a16:creationId xmlns:a16="http://schemas.microsoft.com/office/drawing/2014/main" id="{E808FBCE-8FD9-4F70-AEF4-BD830DD314CB}"/>
-              </a:ext>
-            </a:extLst>
-          </p:cNvPr>
+          <p:cNvPr id="2" name="Título 1"/>
           <p:cNvSpPr>
             <a:spLocks noGrp="1"/>
           </p:cNvSpPr>
@@ -6162,20 +6261,14 @@
           <a:p>
             <a:r>
               <a:rPr lang="pt-BR" dirty="0"/>
-              <a:t>Integrantes do Grupo	</a:t>
-            </a:r>
-          </a:p>
-        </p:txBody>
-      </p:sp>
-      <p:sp>
-        <p:nvSpPr>
-          <p:cNvPr id="5" name="Espaço Reservado para Conteúdo 4">
-            <a:extLst>
-              <a:ext uri="{FF2B5EF4-FFF2-40B4-BE49-F238E27FC236}">
-                <a16:creationId xmlns:a16="http://schemas.microsoft.com/office/drawing/2014/main" id="{5407BCE0-4766-400E-A6BA-7B75C173CF53}"/>
-              </a:ext>
-            </a:extLst>
-          </p:cNvPr>
+              <a:t>Orientadores</a:t>
+            </a:r>
+          </a:p>
+        </p:txBody>
+      </p:sp>
+      <p:sp>
+        <p:nvSpPr>
+          <p:cNvPr id="3" name="Espaço Reservado para Conteúdo 2"/>
           <p:cNvSpPr>
             <a:spLocks noGrp="1"/>
           </p:cNvSpPr>
@@ -6183,7 +6276,12 @@
             <p:ph idx="1"/>
           </p:nvPr>
         </p:nvSpPr>
-        <p:spPr/>
+        <p:spPr>
+          <a:xfrm>
+            <a:off x="677334" y="2290439"/>
+            <a:ext cx="8596668" cy="3750923"/>
+          </a:xfrm>
+        </p:spPr>
         <p:txBody>
           <a:bodyPr>
             <a:normAutofit/>
@@ -6192,30 +6290,21 @@
           <a:p>
             <a:r>
               <a:rPr lang="pt-BR" sz="2800" dirty="0"/>
-              <a:t>Caio Larroza de Oliveira</a:t>
+              <a:t>Prof. Humberto Luiz de Toledo</a:t>
             </a:r>
           </a:p>
           <a:p>
             <a:r>
               <a:rPr lang="pt-BR" sz="2800" dirty="0"/>
-              <a:t>Giovanni </a:t>
+              <a:t>Prof. </a:t>
             </a:r>
             <a:r>
               <a:rPr lang="pt-BR" sz="2800" dirty="0" err="1"/>
-              <a:t>Armane</a:t>
-            </a:r>
-            <a:endParaRPr lang="pt-BR" sz="2800" dirty="0"/>
-          </a:p>
-          <a:p>
+              <a:t>Msc</a:t>
+            </a:r>
             <a:r>
               <a:rPr lang="pt-BR" sz="2800" dirty="0"/>
-              <a:t>Matheus dos Santos</a:t>
-            </a:r>
-          </a:p>
-          <a:p>
-            <a:r>
-              <a:rPr lang="pt-BR" sz="2800" dirty="0"/>
-              <a:t>Leonardo Costa</a:t>
+              <a:t>. Sônia Cristina Menoce</a:t>
             </a:r>
           </a:p>
         </p:txBody>
@@ -6223,7 +6312,7 @@
     </p:spTree>
     <p:extLst>
       <p:ext uri="{BB962C8B-B14F-4D97-AF65-F5344CB8AC3E}">
-        <p14:creationId xmlns:p14="http://schemas.microsoft.com/office/powerpoint/2010/main" val="2781763278"/>
+        <p14:creationId xmlns:p14="http://schemas.microsoft.com/office/powerpoint/2010/main" val="4114218723"/>
       </p:ext>
     </p:extLst>
   </p:cSld>
@@ -6618,7 +6707,7 @@
         <p:spPr/>
         <p:txBody>
           <a:bodyPr>
-            <a:normAutofit fontScale="92500" lnSpcReduction="10000"/>
+            <a:normAutofit fontScale="92500" lnSpcReduction="20000"/>
           </a:bodyPr>
           <a:lstStyle/>
           <a:p>
@@ -6638,22 +6727,20 @@
           <a:p>
             <a:r>
               <a:rPr lang="pt-BR" sz="2800" dirty="0"/>
-              <a:t>A partir de reuniões com nossos orientadores foram levantados os requisitos teóricos e técnicos do sistema.</a:t>
+              <a:t>A partir de reuniões com nossos orientadores foram levantados os requisitos funcionais e não-funcionais do sistema.</a:t>
             </a:r>
           </a:p>
           <a:p>
             <a:r>
               <a:rPr lang="pt-BR" sz="2800" dirty="0"/>
-              <a:t>Para o levantamento de dados foi feita uma pesquisa de campo utilizando a ferramenta Google </a:t>
-            </a:r>
-            <a:r>
-              <a:rPr lang="pt-BR" sz="2800" dirty="0" err="1"/>
-              <a:t>Forms</a:t>
-            </a:r>
-            <a:r>
-              <a:rPr lang="pt-BR" sz="2800" dirty="0"/>
-              <a:t>.</a:t>
-            </a:r>
+              <a:t>Foi feita uma pesquisa com o objetivo de levantar dados para melhor dirigir o desenvolvimento do aplicativo e conhecer melhor o público em potencial do aplicativo.</a:t>
+            </a:r>
+          </a:p>
+          <a:p>
+            <a:pPr marL="0" indent="0">
+              <a:buNone/>
+            </a:pPr>
+            <a:endParaRPr lang="pt-BR" sz="2800" dirty="0"/>
           </a:p>
         </p:txBody>
       </p:sp>
@@ -6722,9 +6809,20 @@
         <p:spPr/>
         <p:txBody>
           <a:bodyPr>
-            <a:normAutofit fontScale="85000" lnSpcReduction="20000"/>
+            <a:normAutofit fontScale="92500" lnSpcReduction="10000"/>
           </a:bodyPr>
           <a:lstStyle/>
+          <a:p>
+            <a:r>
+              <a:rPr lang="pt-BR" sz="2800" dirty="0"/>
+              <a:t>Ferramenta utilizada: Google </a:t>
+            </a:r>
+            <a:r>
+              <a:rPr lang="pt-BR" sz="2800" dirty="0" err="1"/>
+              <a:t>Forms</a:t>
+            </a:r>
+            <a:endParaRPr lang="pt-BR" sz="2800" dirty="0"/>
+          </a:p>
           <a:p>
             <a:r>
               <a:rPr lang="pt-BR" sz="2800" dirty="0"/>
@@ -6749,21 +6847,7 @@
             <a:pPr lvl="1"/>
             <a:r>
               <a:rPr lang="pt-BR" sz="2800" dirty="0"/>
-              <a:t>Formas de pagamento;</a:t>
-            </a:r>
-          </a:p>
-          <a:p>
-            <a:pPr lvl="1"/>
-            <a:r>
-              <a:rPr lang="pt-BR" sz="2800" dirty="0"/>
               <a:t>Se possuem investimentos;</a:t>
-            </a:r>
-          </a:p>
-          <a:p>
-            <a:pPr lvl="1"/>
-            <a:r>
-              <a:rPr lang="pt-BR" sz="2800" dirty="0"/>
-              <a:t>Faixa etária;</a:t>
             </a:r>
           </a:p>
           <a:p>

--- a/docs/Apresentação Teste TCC.pptx
+++ b/docs/Apresentação Teste TCC.pptx
@@ -849,7 +849,7 @@
             <a:fld id="{5586B75A-687E-405C-8A0B-8D00578BA2C3}" type="datetimeFigureOut">
               <a:rPr lang="en-US" smtClean="0"/>
               <a:pPr/>
-              <a:t>12/13/2017</a:t>
+              <a:t>12/14/2017</a:t>
             </a:fld>
             <a:endParaRPr lang="en-US" dirty="0"/>
           </a:p>
@@ -1102,7 +1102,7 @@
             <a:fld id="{5586B75A-687E-405C-8A0B-8D00578BA2C3}" type="datetimeFigureOut">
               <a:rPr lang="en-US" smtClean="0"/>
               <a:pPr/>
-              <a:t>12/13/2017</a:t>
+              <a:t>12/14/2017</a:t>
             </a:fld>
             <a:endParaRPr lang="en-US" dirty="0"/>
           </a:p>
@@ -1419,7 +1419,7 @@
             <a:fld id="{5586B75A-687E-405C-8A0B-8D00578BA2C3}" type="datetimeFigureOut">
               <a:rPr lang="en-US" smtClean="0"/>
               <a:pPr/>
-              <a:t>12/13/2017</a:t>
+              <a:t>12/14/2017</a:t>
             </a:fld>
             <a:endParaRPr lang="en-US" dirty="0"/>
           </a:p>
@@ -1763,7 +1763,7 @@
             <a:fld id="{5586B75A-687E-405C-8A0B-8D00578BA2C3}" type="datetimeFigureOut">
               <a:rPr lang="en-US" smtClean="0"/>
               <a:pPr/>
-              <a:t>12/13/2017</a:t>
+              <a:t>12/14/2017</a:t>
             </a:fld>
             <a:endParaRPr lang="en-US" dirty="0"/>
           </a:p>
@@ -2080,7 +2080,7 @@
             <a:fld id="{5586B75A-687E-405C-8A0B-8D00578BA2C3}" type="datetimeFigureOut">
               <a:rPr lang="en-US" smtClean="0"/>
               <a:pPr/>
-              <a:t>12/13/2017</a:t>
+              <a:t>12/14/2017</a:t>
             </a:fld>
             <a:endParaRPr lang="en-US" dirty="0"/>
           </a:p>
@@ -2476,7 +2476,7 @@
             <a:fld id="{5586B75A-687E-405C-8A0B-8D00578BA2C3}" type="datetimeFigureOut">
               <a:rPr lang="en-US" smtClean="0"/>
               <a:pPr/>
-              <a:t>12/13/2017</a:t>
+              <a:t>12/14/2017</a:t>
             </a:fld>
             <a:endParaRPr lang="en-US" dirty="0"/>
           </a:p>
@@ -2649,7 +2649,7 @@
             <a:fld id="{5586B75A-687E-405C-8A0B-8D00578BA2C3}" type="datetimeFigureOut">
               <a:rPr lang="en-US" smtClean="0"/>
               <a:pPr/>
-              <a:t>12/13/2017</a:t>
+              <a:t>12/14/2017</a:t>
             </a:fld>
             <a:endParaRPr lang="en-US" dirty="0"/>
           </a:p>
@@ -2831,7 +2831,7 @@
             <a:fld id="{5586B75A-687E-405C-8A0B-8D00578BA2C3}" type="datetimeFigureOut">
               <a:rPr lang="en-US" smtClean="0"/>
               <a:pPr/>
-              <a:t>12/13/2017</a:t>
+              <a:t>12/14/2017</a:t>
             </a:fld>
             <a:endParaRPr lang="en-US" dirty="0"/>
           </a:p>
@@ -3009,7 +3009,7 @@
             <a:fld id="{5586B75A-687E-405C-8A0B-8D00578BA2C3}" type="datetimeFigureOut">
               <a:rPr lang="en-US" smtClean="0"/>
               <a:pPr/>
-              <a:t>12/13/2017</a:t>
+              <a:t>12/14/2017</a:t>
             </a:fld>
             <a:endParaRPr lang="en-US" dirty="0"/>
           </a:p>
@@ -3258,7 +3258,7 @@
             <a:fld id="{5586B75A-687E-405C-8A0B-8D00578BA2C3}" type="datetimeFigureOut">
               <a:rPr lang="en-US" smtClean="0"/>
               <a:pPr/>
-              <a:t>12/13/2017</a:t>
+              <a:t>12/14/2017</a:t>
             </a:fld>
             <a:endParaRPr lang="en-US" dirty="0"/>
           </a:p>
@@ -3492,7 +3492,7 @@
             <a:fld id="{5586B75A-687E-405C-8A0B-8D00578BA2C3}" type="datetimeFigureOut">
               <a:rPr lang="en-US" smtClean="0"/>
               <a:pPr/>
-              <a:t>12/13/2017</a:t>
+              <a:t>12/14/2017</a:t>
             </a:fld>
             <a:endParaRPr lang="en-US" dirty="0"/>
           </a:p>
@@ -3868,7 +3868,7 @@
             <a:fld id="{5586B75A-687E-405C-8A0B-8D00578BA2C3}" type="datetimeFigureOut">
               <a:rPr lang="en-US" smtClean="0"/>
               <a:pPr/>
-              <a:t>12/13/2017</a:t>
+              <a:t>12/14/2017</a:t>
             </a:fld>
             <a:endParaRPr lang="en-US" dirty="0"/>
           </a:p>
@@ -3993,7 +3993,7 @@
             <a:fld id="{5586B75A-687E-405C-8A0B-8D00578BA2C3}" type="datetimeFigureOut">
               <a:rPr lang="en-US" smtClean="0"/>
               <a:pPr/>
-              <a:t>12/13/2017</a:t>
+              <a:t>12/14/2017</a:t>
             </a:fld>
             <a:endParaRPr lang="en-US" dirty="0"/>
           </a:p>
@@ -4090,7 +4090,7 @@
             <a:fld id="{5586B75A-687E-405C-8A0B-8D00578BA2C3}" type="datetimeFigureOut">
               <a:rPr lang="en-US" smtClean="0"/>
               <a:pPr/>
-              <a:t>12/13/2017</a:t>
+              <a:t>12/14/2017</a:t>
             </a:fld>
             <a:endParaRPr lang="en-US" dirty="0"/>
           </a:p>
@@ -4347,7 +4347,7 @@
             <a:fld id="{5586B75A-687E-405C-8A0B-8D00578BA2C3}" type="datetimeFigureOut">
               <a:rPr lang="en-US" smtClean="0"/>
               <a:pPr/>
-              <a:t>12/13/2017</a:t>
+              <a:t>12/14/2017</a:t>
             </a:fld>
             <a:endParaRPr lang="en-US" dirty="0"/>
           </a:p>
@@ -4612,7 +4612,7 @@
             <a:fld id="{5586B75A-687E-405C-8A0B-8D00578BA2C3}" type="datetimeFigureOut">
               <a:rPr lang="en-US" smtClean="0"/>
               <a:pPr/>
-              <a:t>12/13/2017</a:t>
+              <a:t>12/14/2017</a:t>
             </a:fld>
             <a:endParaRPr lang="en-US" dirty="0"/>
           </a:p>
@@ -5357,7 +5357,7 @@
             <a:fld id="{5586B75A-687E-405C-8A0B-8D00578BA2C3}" type="datetimeFigureOut">
               <a:rPr lang="en-US" smtClean="0"/>
               <a:pPr/>
-              <a:t>12/13/2017</a:t>
+              <a:t>12/14/2017</a:t>
             </a:fld>
             <a:endParaRPr lang="en-US" dirty="0"/>
           </a:p>
@@ -6727,7 +6727,7 @@
           <a:p>
             <a:r>
               <a:rPr lang="pt-BR" sz="2800" dirty="0"/>
-              <a:t>A partir de reuniões com nossos orientadores foram levantados os requisitos funcionais e não-funcionais do sistema.</a:t>
+              <a:t>A partir de reuniões com nossos orientadores foram levantados os requisitos do sistema.</a:t>
             </a:r>
           </a:p>
           <a:p>
@@ -6825,9 +6825,10 @@
           </a:p>
           <a:p>
             <a:r>
-              <a:rPr lang="pt-BR" sz="2800" dirty="0"/>
-              <a:t>Levantamento de dados:</a:t>
-            </a:r>
+              <a:rPr lang="pt-BR" sz="2800"/>
+              <a:t>Dados levantados:</a:t>
+            </a:r>
+            <a:endParaRPr lang="pt-BR" sz="2800" dirty="0"/>
           </a:p>
           <a:p>
             <a:pPr lvl="1"/>

--- a/docs/Apresentação Teste TCC.pptx
+++ b/docs/Apresentação Teste TCC.pptx
@@ -849,7 +849,7 @@
             <a:fld id="{5586B75A-687E-405C-8A0B-8D00578BA2C3}" type="datetimeFigureOut">
               <a:rPr lang="en-US" smtClean="0"/>
               <a:pPr/>
-              <a:t>12/14/2017</a:t>
+              <a:t>12/15/2017</a:t>
             </a:fld>
             <a:endParaRPr lang="en-US" dirty="0"/>
           </a:p>
@@ -1102,7 +1102,7 @@
             <a:fld id="{5586B75A-687E-405C-8A0B-8D00578BA2C3}" type="datetimeFigureOut">
               <a:rPr lang="en-US" smtClean="0"/>
               <a:pPr/>
-              <a:t>12/14/2017</a:t>
+              <a:t>12/15/2017</a:t>
             </a:fld>
             <a:endParaRPr lang="en-US" dirty="0"/>
           </a:p>
@@ -1419,7 +1419,7 @@
             <a:fld id="{5586B75A-687E-405C-8A0B-8D00578BA2C3}" type="datetimeFigureOut">
               <a:rPr lang="en-US" smtClean="0"/>
               <a:pPr/>
-              <a:t>12/14/2017</a:t>
+              <a:t>12/15/2017</a:t>
             </a:fld>
             <a:endParaRPr lang="en-US" dirty="0"/>
           </a:p>
@@ -1763,7 +1763,7 @@
             <a:fld id="{5586B75A-687E-405C-8A0B-8D00578BA2C3}" type="datetimeFigureOut">
               <a:rPr lang="en-US" smtClean="0"/>
               <a:pPr/>
-              <a:t>12/14/2017</a:t>
+              <a:t>12/15/2017</a:t>
             </a:fld>
             <a:endParaRPr lang="en-US" dirty="0"/>
           </a:p>
@@ -2080,7 +2080,7 @@
             <a:fld id="{5586B75A-687E-405C-8A0B-8D00578BA2C3}" type="datetimeFigureOut">
               <a:rPr lang="en-US" smtClean="0"/>
               <a:pPr/>
-              <a:t>12/14/2017</a:t>
+              <a:t>12/15/2017</a:t>
             </a:fld>
             <a:endParaRPr lang="en-US" dirty="0"/>
           </a:p>
@@ -2476,7 +2476,7 @@
             <a:fld id="{5586B75A-687E-405C-8A0B-8D00578BA2C3}" type="datetimeFigureOut">
               <a:rPr lang="en-US" smtClean="0"/>
               <a:pPr/>
-              <a:t>12/14/2017</a:t>
+              <a:t>12/15/2017</a:t>
             </a:fld>
             <a:endParaRPr lang="en-US" dirty="0"/>
           </a:p>
@@ -2649,7 +2649,7 @@
             <a:fld id="{5586B75A-687E-405C-8A0B-8D00578BA2C3}" type="datetimeFigureOut">
               <a:rPr lang="en-US" smtClean="0"/>
               <a:pPr/>
-              <a:t>12/14/2017</a:t>
+              <a:t>12/15/2017</a:t>
             </a:fld>
             <a:endParaRPr lang="en-US" dirty="0"/>
           </a:p>
@@ -2831,7 +2831,7 @@
             <a:fld id="{5586B75A-687E-405C-8A0B-8D00578BA2C3}" type="datetimeFigureOut">
               <a:rPr lang="en-US" smtClean="0"/>
               <a:pPr/>
-              <a:t>12/14/2017</a:t>
+              <a:t>12/15/2017</a:t>
             </a:fld>
             <a:endParaRPr lang="en-US" dirty="0"/>
           </a:p>
@@ -3009,7 +3009,7 @@
             <a:fld id="{5586B75A-687E-405C-8A0B-8D00578BA2C3}" type="datetimeFigureOut">
               <a:rPr lang="en-US" smtClean="0"/>
               <a:pPr/>
-              <a:t>12/14/2017</a:t>
+              <a:t>12/15/2017</a:t>
             </a:fld>
             <a:endParaRPr lang="en-US" dirty="0"/>
           </a:p>
@@ -3258,7 +3258,7 @@
             <a:fld id="{5586B75A-687E-405C-8A0B-8D00578BA2C3}" type="datetimeFigureOut">
               <a:rPr lang="en-US" smtClean="0"/>
               <a:pPr/>
-              <a:t>12/14/2017</a:t>
+              <a:t>12/15/2017</a:t>
             </a:fld>
             <a:endParaRPr lang="en-US" dirty="0"/>
           </a:p>
@@ -3492,7 +3492,7 @@
             <a:fld id="{5586B75A-687E-405C-8A0B-8D00578BA2C3}" type="datetimeFigureOut">
               <a:rPr lang="en-US" smtClean="0"/>
               <a:pPr/>
-              <a:t>12/14/2017</a:t>
+              <a:t>12/15/2017</a:t>
             </a:fld>
             <a:endParaRPr lang="en-US" dirty="0"/>
           </a:p>
@@ -3868,7 +3868,7 @@
             <a:fld id="{5586B75A-687E-405C-8A0B-8D00578BA2C3}" type="datetimeFigureOut">
               <a:rPr lang="en-US" smtClean="0"/>
               <a:pPr/>
-              <a:t>12/14/2017</a:t>
+              <a:t>12/15/2017</a:t>
             </a:fld>
             <a:endParaRPr lang="en-US" dirty="0"/>
           </a:p>
@@ -3993,7 +3993,7 @@
             <a:fld id="{5586B75A-687E-405C-8A0B-8D00578BA2C3}" type="datetimeFigureOut">
               <a:rPr lang="en-US" smtClean="0"/>
               <a:pPr/>
-              <a:t>12/14/2017</a:t>
+              <a:t>12/15/2017</a:t>
             </a:fld>
             <a:endParaRPr lang="en-US" dirty="0"/>
           </a:p>
@@ -4090,7 +4090,7 @@
             <a:fld id="{5586B75A-687E-405C-8A0B-8D00578BA2C3}" type="datetimeFigureOut">
               <a:rPr lang="en-US" smtClean="0"/>
               <a:pPr/>
-              <a:t>12/14/2017</a:t>
+              <a:t>12/15/2017</a:t>
             </a:fld>
             <a:endParaRPr lang="en-US" dirty="0"/>
           </a:p>
@@ -4347,7 +4347,7 @@
             <a:fld id="{5586B75A-687E-405C-8A0B-8D00578BA2C3}" type="datetimeFigureOut">
               <a:rPr lang="en-US" smtClean="0"/>
               <a:pPr/>
-              <a:t>12/14/2017</a:t>
+              <a:t>12/15/2017</a:t>
             </a:fld>
             <a:endParaRPr lang="en-US" dirty="0"/>
           </a:p>
@@ -4612,7 +4612,7 @@
             <a:fld id="{5586B75A-687E-405C-8A0B-8D00578BA2C3}" type="datetimeFigureOut">
               <a:rPr lang="en-US" smtClean="0"/>
               <a:pPr/>
-              <a:t>12/14/2017</a:t>
+              <a:t>12/15/2017</a:t>
             </a:fld>
             <a:endParaRPr lang="en-US" dirty="0"/>
           </a:p>
@@ -5357,7 +5357,7 @@
             <a:fld id="{5586B75A-687E-405C-8A0B-8D00578BA2C3}" type="datetimeFigureOut">
               <a:rPr lang="en-US" smtClean="0"/>
               <a:pPr/>
-              <a:t>12/14/2017</a:t>
+              <a:t>12/15/2017</a:t>
             </a:fld>
             <a:endParaRPr lang="en-US" dirty="0"/>
           </a:p>
@@ -6414,12 +6414,6 @@
             <a:r>
               <a:rPr lang="pt-BR" sz="2800" dirty="0"/>
               <a:t>Acompanhar investimentos</a:t>
-            </a:r>
-          </a:p>
-          <a:p>
-            <a:r>
-              <a:rPr lang="pt-BR" sz="2800" dirty="0"/>
-              <a:t>Projetar gastos de acordo com o padrão</a:t>
             </a:r>
           </a:p>
           <a:p>

--- a/docs/Apresentação Teste TCC.pptx
+++ b/docs/Apresentação Teste TCC.pptx
@@ -849,7 +849,7 @@
             <a:fld id="{5586B75A-687E-405C-8A0B-8D00578BA2C3}" type="datetimeFigureOut">
               <a:rPr lang="en-US" smtClean="0"/>
               <a:pPr/>
-              <a:t>12/15/2017</a:t>
+              <a:t>12/20/2017</a:t>
             </a:fld>
             <a:endParaRPr lang="en-US" dirty="0"/>
           </a:p>
@@ -1102,7 +1102,7 @@
             <a:fld id="{5586B75A-687E-405C-8A0B-8D00578BA2C3}" type="datetimeFigureOut">
               <a:rPr lang="en-US" smtClean="0"/>
               <a:pPr/>
-              <a:t>12/15/2017</a:t>
+              <a:t>12/20/2017</a:t>
             </a:fld>
             <a:endParaRPr lang="en-US" dirty="0"/>
           </a:p>
@@ -1419,7 +1419,7 @@
             <a:fld id="{5586B75A-687E-405C-8A0B-8D00578BA2C3}" type="datetimeFigureOut">
               <a:rPr lang="en-US" smtClean="0"/>
               <a:pPr/>
-              <a:t>12/15/2017</a:t>
+              <a:t>12/20/2017</a:t>
             </a:fld>
             <a:endParaRPr lang="en-US" dirty="0"/>
           </a:p>
@@ -1763,7 +1763,7 @@
             <a:fld id="{5586B75A-687E-405C-8A0B-8D00578BA2C3}" type="datetimeFigureOut">
               <a:rPr lang="en-US" smtClean="0"/>
               <a:pPr/>
-              <a:t>12/15/2017</a:t>
+              <a:t>12/20/2017</a:t>
             </a:fld>
             <a:endParaRPr lang="en-US" dirty="0"/>
           </a:p>
@@ -2080,7 +2080,7 @@
             <a:fld id="{5586B75A-687E-405C-8A0B-8D00578BA2C3}" type="datetimeFigureOut">
               <a:rPr lang="en-US" smtClean="0"/>
               <a:pPr/>
-              <a:t>12/15/2017</a:t>
+              <a:t>12/20/2017</a:t>
             </a:fld>
             <a:endParaRPr lang="en-US" dirty="0"/>
           </a:p>
@@ -2476,7 +2476,7 @@
             <a:fld id="{5586B75A-687E-405C-8A0B-8D00578BA2C3}" type="datetimeFigureOut">
               <a:rPr lang="en-US" smtClean="0"/>
               <a:pPr/>
-              <a:t>12/15/2017</a:t>
+              <a:t>12/20/2017</a:t>
             </a:fld>
             <a:endParaRPr lang="en-US" dirty="0"/>
           </a:p>
@@ -2649,7 +2649,7 @@
             <a:fld id="{5586B75A-687E-405C-8A0B-8D00578BA2C3}" type="datetimeFigureOut">
               <a:rPr lang="en-US" smtClean="0"/>
               <a:pPr/>
-              <a:t>12/15/2017</a:t>
+              <a:t>12/20/2017</a:t>
             </a:fld>
             <a:endParaRPr lang="en-US" dirty="0"/>
           </a:p>
@@ -2831,7 +2831,7 @@
             <a:fld id="{5586B75A-687E-405C-8A0B-8D00578BA2C3}" type="datetimeFigureOut">
               <a:rPr lang="en-US" smtClean="0"/>
               <a:pPr/>
-              <a:t>12/15/2017</a:t>
+              <a:t>12/20/2017</a:t>
             </a:fld>
             <a:endParaRPr lang="en-US" dirty="0"/>
           </a:p>
@@ -3009,7 +3009,7 @@
             <a:fld id="{5586B75A-687E-405C-8A0B-8D00578BA2C3}" type="datetimeFigureOut">
               <a:rPr lang="en-US" smtClean="0"/>
               <a:pPr/>
-              <a:t>12/15/2017</a:t>
+              <a:t>12/20/2017</a:t>
             </a:fld>
             <a:endParaRPr lang="en-US" dirty="0"/>
           </a:p>
@@ -3258,7 +3258,7 @@
             <a:fld id="{5586B75A-687E-405C-8A0B-8D00578BA2C3}" type="datetimeFigureOut">
               <a:rPr lang="en-US" smtClean="0"/>
               <a:pPr/>
-              <a:t>12/15/2017</a:t>
+              <a:t>12/20/2017</a:t>
             </a:fld>
             <a:endParaRPr lang="en-US" dirty="0"/>
           </a:p>
@@ -3492,7 +3492,7 @@
             <a:fld id="{5586B75A-687E-405C-8A0B-8D00578BA2C3}" type="datetimeFigureOut">
               <a:rPr lang="en-US" smtClean="0"/>
               <a:pPr/>
-              <a:t>12/15/2017</a:t>
+              <a:t>12/20/2017</a:t>
             </a:fld>
             <a:endParaRPr lang="en-US" dirty="0"/>
           </a:p>
@@ -3868,7 +3868,7 @@
             <a:fld id="{5586B75A-687E-405C-8A0B-8D00578BA2C3}" type="datetimeFigureOut">
               <a:rPr lang="en-US" smtClean="0"/>
               <a:pPr/>
-              <a:t>12/15/2017</a:t>
+              <a:t>12/20/2017</a:t>
             </a:fld>
             <a:endParaRPr lang="en-US" dirty="0"/>
           </a:p>
@@ -3993,7 +3993,7 @@
             <a:fld id="{5586B75A-687E-405C-8A0B-8D00578BA2C3}" type="datetimeFigureOut">
               <a:rPr lang="en-US" smtClean="0"/>
               <a:pPr/>
-              <a:t>12/15/2017</a:t>
+              <a:t>12/20/2017</a:t>
             </a:fld>
             <a:endParaRPr lang="en-US" dirty="0"/>
           </a:p>
@@ -4090,7 +4090,7 @@
             <a:fld id="{5586B75A-687E-405C-8A0B-8D00578BA2C3}" type="datetimeFigureOut">
               <a:rPr lang="en-US" smtClean="0"/>
               <a:pPr/>
-              <a:t>12/15/2017</a:t>
+              <a:t>12/20/2017</a:t>
             </a:fld>
             <a:endParaRPr lang="en-US" dirty="0"/>
           </a:p>
@@ -4347,7 +4347,7 @@
             <a:fld id="{5586B75A-687E-405C-8A0B-8D00578BA2C3}" type="datetimeFigureOut">
               <a:rPr lang="en-US" smtClean="0"/>
               <a:pPr/>
-              <a:t>12/15/2017</a:t>
+              <a:t>12/20/2017</a:t>
             </a:fld>
             <a:endParaRPr lang="en-US" dirty="0"/>
           </a:p>
@@ -4612,7 +4612,7 @@
             <a:fld id="{5586B75A-687E-405C-8A0B-8D00578BA2C3}" type="datetimeFigureOut">
               <a:rPr lang="en-US" smtClean="0"/>
               <a:pPr/>
-              <a:t>12/15/2017</a:t>
+              <a:t>12/20/2017</a:t>
             </a:fld>
             <a:endParaRPr lang="en-US" dirty="0"/>
           </a:p>
@@ -5357,7 +5357,7 @@
             <a:fld id="{5586B75A-687E-405C-8A0B-8D00578BA2C3}" type="datetimeFigureOut">
               <a:rPr lang="en-US" smtClean="0"/>
               <a:pPr/>
-              <a:t>12/15/2017</a:t>
+              <a:t>12/20/2017</a:t>
             </a:fld>
             <a:endParaRPr lang="en-US" dirty="0"/>
           </a:p>
@@ -6419,7 +6419,7 @@
           <a:p>
             <a:r>
               <a:rPr lang="pt-BR" sz="2800" dirty="0"/>
-              <a:t>Fluxo de caixa (receita e despesa)</a:t>
+              <a:t>Movimentações (receita e despesa)</a:t>
             </a:r>
           </a:p>
         </p:txBody>
